--- a/Templates/slideDesign.pptx
+++ b/Templates/slideDesign.pptx
@@ -509,7 +509,7 @@
           </a:lstStyle>
           <a:p>
             <a:r>
-              <a:rPr lang="en-US" smtClean="0"/>
+              <a:rPr lang="en-US" dirty="0" smtClean="0"/>
               <a:t>Click to edit Master title style</a:t>
             </a:r>
             <a:endParaRPr lang="en-US" dirty="0"/>
@@ -620,7 +620,7 @@
         </p:nvSpPr>
         <p:spPr>
           <a:xfrm>
-            <a:off x="3028950" y="6556809"/>
+            <a:off x="3745923" y="6539056"/>
             <a:ext cx="3086100" cy="365125"/>
           </a:xfrm>
           <a:prstGeom prst="rect">
@@ -632,10 +632,10 @@
           <a:lstStyle/>
           <a:p>
             <a:r>
-              <a:rPr lang="en-IN" smtClean="0"/>
+              <a:rPr lang="en-IN" dirty="0" smtClean="0"/>
               <a:t>Module Name</a:t>
             </a:r>
-            <a:endParaRPr lang="en-IN"/>
+            <a:endParaRPr lang="en-IN" dirty="0"/>
           </a:p>
         </p:txBody>
       </p:sp>
@@ -649,7 +649,12 @@
             <p:ph type="sldNum" sz="quarter" idx="12"/>
           </p:nvPr>
         </p:nvSpPr>
-        <p:spPr/>
+        <p:spPr>
+          <a:xfrm>
+            <a:off x="6832023" y="6539056"/>
+            <a:ext cx="2057400" cy="365125"/>
+          </a:xfrm>
+        </p:spPr>
         <p:txBody>
           <a:bodyPr/>
           <a:lstStyle/>
@@ -873,7 +878,7 @@
         </p:nvSpPr>
         <p:spPr>
           <a:xfrm>
-            <a:off x="0" y="6274955"/>
+            <a:off x="0" y="6264564"/>
             <a:ext cx="2057400" cy="365125"/>
           </a:xfrm>
           <a:prstGeom prst="rect">
@@ -884,7 +889,7 @@
           <a:bodyPr/>
           <a:lstStyle/>
           <a:p>
-            <a:endParaRPr lang="en-IN"/>
+            <a:endParaRPr lang="en-IN" dirty="0"/>
           </a:p>
         </p:txBody>
       </p:sp>
@@ -900,7 +905,7 @@
         </p:nvSpPr>
         <p:spPr>
           <a:xfrm>
-            <a:off x="3008168" y="6580620"/>
+            <a:off x="3745923" y="6539055"/>
             <a:ext cx="3086100" cy="365125"/>
           </a:xfrm>
           <a:prstGeom prst="rect">
@@ -1093,7 +1098,7 @@
         </p:nvSpPr>
         <p:spPr>
           <a:xfrm>
-            <a:off x="3054927" y="6577735"/>
+            <a:off x="3678382" y="6518273"/>
             <a:ext cx="3086100" cy="365125"/>
           </a:xfrm>
           <a:prstGeom prst="rect">
@@ -1122,7 +1127,12 @@
             <p:ph type="sldNum" sz="quarter" idx="12"/>
           </p:nvPr>
         </p:nvSpPr>
-        <p:spPr/>
+        <p:spPr>
+          <a:xfrm>
+            <a:off x="6842414" y="6518274"/>
+            <a:ext cx="2057400" cy="365125"/>
+          </a:xfrm>
+        </p:spPr>
         <p:txBody>
           <a:bodyPr/>
           <a:lstStyle/>
@@ -1296,7 +1306,7 @@
         </p:nvSpPr>
         <p:spPr>
           <a:xfrm>
-            <a:off x="2976996" y="6580620"/>
+            <a:off x="3745923" y="6539056"/>
             <a:ext cx="3086100" cy="365125"/>
           </a:xfrm>
           <a:prstGeom prst="rect">
@@ -1325,7 +1335,12 @@
             <p:ph type="sldNum" sz="quarter" idx="12"/>
           </p:nvPr>
         </p:nvSpPr>
-        <p:spPr/>
+        <p:spPr>
+          <a:xfrm>
+            <a:off x="6832023" y="6539056"/>
+            <a:ext cx="2057400" cy="365125"/>
+          </a:xfrm>
+        </p:spPr>
         <p:txBody>
           <a:bodyPr/>
           <a:lstStyle/>
@@ -1361,6 +1376,20 @@
 <file path=ppt/slideLayouts/slideLayout2.xml><?xml version="1.0" encoding="utf-8"?>
 <p:sldLayout xmlns:a="http://schemas.openxmlformats.org/drawingml/2006/main" xmlns:r="http://schemas.openxmlformats.org/officeDocument/2006/relationships" xmlns:p="http://schemas.openxmlformats.org/presentationml/2006/main" preserve="1" userDrawn="1">
   <p:cSld name="FrontPage">
+    <p:bg>
+      <p:bgPr>
+        <a:blipFill dpi="0" rotWithShape="1">
+          <a:blip r:embed="rId2">
+            <a:lum/>
+          </a:blip>
+          <a:srcRect/>
+          <a:stretch>
+            <a:fillRect t="-3000" b="-3000"/>
+          </a:stretch>
+        </a:blipFill>
+        <a:effectLst/>
+      </p:bgPr>
+    </p:bg>
     <p:spTree>
       <p:nvGrpSpPr>
         <p:cNvPr id="1" name=""/>
@@ -1431,7 +1460,12 @@
             <p:ph type="sldNum" sz="quarter" idx="10"/>
           </p:nvPr>
         </p:nvSpPr>
-        <p:spPr/>
+        <p:spPr>
+          <a:xfrm>
+            <a:off x="6832023" y="6528665"/>
+            <a:ext cx="2057400" cy="365125"/>
+          </a:xfrm>
+        </p:spPr>
         <p:txBody>
           <a:bodyPr/>
           <a:lstStyle/>
@@ -1454,7 +1488,7 @@
           <p:nvPr userDrawn="1"/>
         </p:nvPicPr>
         <p:blipFill>
-          <a:blip r:embed="rId2" cstate="print">
+          <a:blip r:embed="rId3" cstate="print">
             <a:extLst>
               <a:ext uri="{28A0092B-C50C-407E-A947-70E740481C1C}">
                 <a14:useLocalDpi xmlns:a14="http://schemas.microsoft.com/office/drawing/2010/main" val="0"/>
@@ -1809,7 +1843,7 @@
         </p:nvSpPr>
         <p:spPr>
           <a:xfrm>
-            <a:off x="3028950" y="6577735"/>
+            <a:off x="3745923" y="6539056"/>
             <a:ext cx="3086100" cy="365125"/>
           </a:xfrm>
           <a:prstGeom prst="rect">
@@ -1821,10 +1855,10 @@
           <a:lstStyle/>
           <a:p>
             <a:r>
-              <a:rPr lang="en-IN" smtClean="0"/>
+              <a:rPr lang="en-IN" dirty="0" smtClean="0"/>
               <a:t>Module Name</a:t>
             </a:r>
-            <a:endParaRPr lang="en-IN"/>
+            <a:endParaRPr lang="en-IN" dirty="0"/>
           </a:p>
         </p:txBody>
       </p:sp>
@@ -1838,7 +1872,12 @@
             <p:ph type="sldNum" sz="quarter" idx="12"/>
           </p:nvPr>
         </p:nvSpPr>
-        <p:spPr/>
+        <p:spPr>
+          <a:xfrm>
+            <a:off x="6832023" y="6539056"/>
+            <a:ext cx="2057400" cy="365125"/>
+          </a:xfrm>
+        </p:spPr>
         <p:txBody>
           <a:bodyPr/>
           <a:lstStyle/>
@@ -2049,7 +2088,7 @@
         </p:nvSpPr>
         <p:spPr>
           <a:xfrm>
-            <a:off x="628650" y="6356351"/>
+            <a:off x="5196" y="6262832"/>
             <a:ext cx="2057400" cy="365125"/>
           </a:xfrm>
           <a:prstGeom prst="rect">
@@ -2076,7 +2115,7 @@
         </p:nvSpPr>
         <p:spPr>
           <a:xfrm>
-            <a:off x="3024188" y="6580619"/>
+            <a:off x="3745923" y="6528664"/>
             <a:ext cx="3086100" cy="365125"/>
           </a:xfrm>
           <a:prstGeom prst="rect">
@@ -2105,7 +2144,12 @@
             <p:ph type="sldNum" sz="quarter" idx="12"/>
           </p:nvPr>
         </p:nvSpPr>
-        <p:spPr/>
+        <p:spPr>
+          <a:xfrm>
+            <a:off x="6832023" y="6528665"/>
+            <a:ext cx="2057400" cy="365125"/>
+          </a:xfrm>
+        </p:spPr>
         <p:txBody>
           <a:bodyPr/>
           <a:lstStyle/>
@@ -2114,7 +2158,7 @@
               <a:rPr lang="en-IN" smtClean="0"/>
               <a:t>‹#›</a:t>
             </a:fld>
-            <a:endParaRPr lang="en-IN"/>
+            <a:endParaRPr lang="en-IN" dirty="0"/>
           </a:p>
         </p:txBody>
       </p:sp>
@@ -2331,7 +2375,7 @@
         </p:nvSpPr>
         <p:spPr>
           <a:xfrm>
-            <a:off x="3086100" y="6580620"/>
+            <a:off x="3745923" y="6539055"/>
             <a:ext cx="3086100" cy="365125"/>
           </a:xfrm>
           <a:prstGeom prst="rect">
@@ -2525,35 +2569,35 @@
           <a:p>
             <a:pPr lvl="0"/>
             <a:r>
-              <a:rPr lang="en-US" smtClean="0"/>
+              <a:rPr lang="en-US" dirty="0" smtClean="0"/>
               <a:t>Edit Master text styles</a:t>
             </a:r>
           </a:p>
           <a:p>
             <a:pPr lvl="1"/>
             <a:r>
-              <a:rPr lang="en-US" smtClean="0"/>
+              <a:rPr lang="en-US" dirty="0" smtClean="0"/>
               <a:t>Second level</a:t>
             </a:r>
           </a:p>
           <a:p>
             <a:pPr lvl="2"/>
             <a:r>
-              <a:rPr lang="en-US" smtClean="0"/>
+              <a:rPr lang="en-US" dirty="0" smtClean="0"/>
               <a:t>Third level</a:t>
             </a:r>
           </a:p>
           <a:p>
             <a:pPr lvl="3"/>
             <a:r>
-              <a:rPr lang="en-US" smtClean="0"/>
+              <a:rPr lang="en-US" dirty="0" smtClean="0"/>
               <a:t>Fourth level</a:t>
             </a:r>
           </a:p>
           <a:p>
             <a:pPr lvl="4"/>
             <a:r>
-              <a:rPr lang="en-US" smtClean="0"/>
+              <a:rPr lang="en-US" dirty="0" smtClean="0"/>
               <a:t>Fifth level</a:t>
             </a:r>
             <a:endParaRPr lang="en-US" dirty="0"/>
@@ -2619,7 +2663,7 @@
           <a:p>
             <a:pPr lvl="0"/>
             <a:r>
-              <a:rPr lang="en-US" smtClean="0"/>
+              <a:rPr lang="en-US" dirty="0" smtClean="0"/>
               <a:t>Edit Master text styles</a:t>
             </a:r>
           </a:p>
@@ -2647,35 +2691,35 @@
           <a:p>
             <a:pPr lvl="0"/>
             <a:r>
-              <a:rPr lang="en-US" smtClean="0"/>
+              <a:rPr lang="en-US" dirty="0" smtClean="0"/>
               <a:t>Edit Master text styles</a:t>
             </a:r>
           </a:p>
           <a:p>
             <a:pPr lvl="1"/>
             <a:r>
-              <a:rPr lang="en-US" smtClean="0"/>
+              <a:rPr lang="en-US" dirty="0" smtClean="0"/>
               <a:t>Second level</a:t>
             </a:r>
           </a:p>
           <a:p>
             <a:pPr lvl="2"/>
             <a:r>
-              <a:rPr lang="en-US" smtClean="0"/>
+              <a:rPr lang="en-US" dirty="0" smtClean="0"/>
               <a:t>Third level</a:t>
             </a:r>
           </a:p>
           <a:p>
             <a:pPr lvl="3"/>
             <a:r>
-              <a:rPr lang="en-US" smtClean="0"/>
+              <a:rPr lang="en-US" dirty="0" smtClean="0"/>
               <a:t>Fourth level</a:t>
             </a:r>
           </a:p>
           <a:p>
             <a:pPr lvl="4"/>
             <a:r>
-              <a:rPr lang="en-US" smtClean="0"/>
+              <a:rPr lang="en-US" dirty="0" smtClean="0"/>
               <a:t>Fifth level</a:t>
             </a:r>
             <a:endParaRPr lang="en-US" dirty="0"/>
@@ -2721,7 +2765,7 @@
         </p:nvSpPr>
         <p:spPr>
           <a:xfrm>
-            <a:off x="2955132" y="6580620"/>
+            <a:off x="3745923" y="6528664"/>
             <a:ext cx="3086100" cy="365125"/>
           </a:xfrm>
           <a:prstGeom prst="rect">
@@ -2750,7 +2794,12 @@
             <p:ph type="sldNum" sz="quarter" idx="12"/>
           </p:nvPr>
         </p:nvSpPr>
-        <p:spPr/>
+        <p:spPr>
+          <a:xfrm>
+            <a:off x="6832023" y="6528665"/>
+            <a:ext cx="2057400" cy="365125"/>
+          </a:xfrm>
+        </p:spPr>
         <p:txBody>
           <a:bodyPr/>
           <a:lstStyle/>
@@ -2835,7 +2884,7 @@
         </p:nvSpPr>
         <p:spPr>
           <a:xfrm>
-            <a:off x="0" y="6215495"/>
+            <a:off x="0" y="6236277"/>
             <a:ext cx="2057400" cy="365125"/>
           </a:xfrm>
           <a:prstGeom prst="rect">
@@ -2862,7 +2911,7 @@
         </p:nvSpPr>
         <p:spPr>
           <a:xfrm>
-            <a:off x="3049732" y="6580620"/>
+            <a:off x="3756314" y="6518274"/>
             <a:ext cx="3086100" cy="365125"/>
           </a:xfrm>
           <a:prstGeom prst="rect">
@@ -2874,10 +2923,10 @@
           <a:lstStyle/>
           <a:p>
             <a:r>
-              <a:rPr lang="en-IN" smtClean="0"/>
+              <a:rPr lang="en-IN" dirty="0" smtClean="0"/>
               <a:t>Module Name</a:t>
             </a:r>
-            <a:endParaRPr lang="en-IN"/>
+            <a:endParaRPr lang="en-IN" dirty="0"/>
           </a:p>
         </p:txBody>
       </p:sp>
@@ -2891,7 +2940,12 @@
             <p:ph type="sldNum" sz="quarter" idx="12"/>
           </p:nvPr>
         </p:nvSpPr>
-        <p:spPr/>
+        <p:spPr>
+          <a:xfrm>
+            <a:off x="6842414" y="6518274"/>
+            <a:ext cx="2057400" cy="365125"/>
+          </a:xfrm>
+        </p:spPr>
         <p:txBody>
           <a:bodyPr/>
           <a:lstStyle/>
@@ -2980,7 +3034,7 @@
         </p:nvSpPr>
         <p:spPr>
           <a:xfrm>
-            <a:off x="3039341" y="6580620"/>
+            <a:off x="3766705" y="6549447"/>
             <a:ext cx="3086100" cy="365125"/>
           </a:xfrm>
           <a:prstGeom prst="rect">
@@ -3009,7 +3063,12 @@
             <p:ph type="sldNum" sz="quarter" idx="12"/>
           </p:nvPr>
         </p:nvSpPr>
-        <p:spPr/>
+        <p:spPr>
+          <a:xfrm>
+            <a:off x="6852805" y="6549447"/>
+            <a:ext cx="2057400" cy="365125"/>
+          </a:xfrm>
+        </p:spPr>
         <p:txBody>
           <a:bodyPr/>
           <a:lstStyle/>
@@ -3084,7 +3143,7 @@
           </a:lstStyle>
           <a:p>
             <a:r>
-              <a:rPr lang="en-US" smtClean="0"/>
+              <a:rPr lang="en-US" dirty="0" smtClean="0"/>
               <a:t>Click to edit Master title style</a:t>
             </a:r>
             <a:endParaRPr lang="en-US" dirty="0"/>
@@ -3253,7 +3312,7 @@
         </p:nvSpPr>
         <p:spPr>
           <a:xfrm>
-            <a:off x="0" y="6285346"/>
+            <a:off x="0" y="6254173"/>
             <a:ext cx="2057400" cy="365125"/>
           </a:xfrm>
           <a:prstGeom prst="rect">
@@ -3280,7 +3339,7 @@
         </p:nvSpPr>
         <p:spPr>
           <a:xfrm>
-            <a:off x="2956214" y="6580620"/>
+            <a:off x="3745923" y="6539055"/>
             <a:ext cx="3086100" cy="365125"/>
           </a:xfrm>
           <a:prstGeom prst="rect">
@@ -3480,7 +3539,7 @@
         </p:nvSpPr>
         <p:spPr>
           <a:xfrm>
-            <a:off x="6832023" y="6580620"/>
+            <a:off x="6832023" y="6539055"/>
             <a:ext cx="2057400" cy="365125"/>
           </a:xfrm>
           <a:prstGeom prst="rect">
@@ -3522,7 +3581,7 @@
         </p:nvSpPr>
         <p:spPr>
           <a:xfrm>
-            <a:off x="2992582" y="6580619"/>
+            <a:off x="3460173" y="6539055"/>
             <a:ext cx="3371850" cy="365125"/>
           </a:xfrm>
           <a:prstGeom prst="rect">
@@ -3594,7 +3653,7 @@
           <a:solidFill>
             <a:schemeClr val="tx1"/>
           </a:solidFill>
-          <a:latin typeface="Karma Medium" panose="02000000000000000000" pitchFamily="2" charset="0"/>
+          <a:latin typeface="+mj-lt"/>
           <a:ea typeface="+mj-ea"/>
           <a:cs typeface="Karma Medium" panose="02000000000000000000" pitchFamily="2" charset="0"/>
         </a:defRPr>
